--- a/GasGiantModelGridDiagram.pptx
+++ b/GasGiantModelGridDiagram.pptx
@@ -2,13 +2,13 @@
 <file path=ppt/presentation.xml><?xml version="1.0" encoding="utf-8"?>
 <p:presentation xmlns:a="http://schemas.openxmlformats.org/drawingml/2006/main" xmlns:r="http://schemas.openxmlformats.org/officeDocument/2006/relationships" xmlns:p="http://schemas.openxmlformats.org/presentationml/2006/main" saveSubsetFonts="1" autoCompressPictures="0">
   <p:sldMasterIdLst>
-    <p:sldMasterId id="2147483672" r:id="rId1"/>
+    <p:sldMasterId id="2147483684" r:id="rId1"/>
   </p:sldMasterIdLst>
   <p:sldIdLst>
     <p:sldId id="256" r:id="rId2"/>
     <p:sldId id="257" r:id="rId3"/>
   </p:sldIdLst>
-  <p:sldSz cx="12192000" cy="19202400"/>
+  <p:sldSz cx="12192000" cy="21031200"/>
   <p:notesSz cx="6858000" cy="9144000"/>
   <p:defaultTextStyle>
     <a:defPPr>
@@ -137,8 +137,8 @@
         </p:nvSpPr>
         <p:spPr>
           <a:xfrm>
-            <a:off x="914400" y="3142616"/>
-            <a:ext cx="10363200" cy="6685280"/>
+            <a:off x="914400" y="3441913"/>
+            <a:ext cx="10363200" cy="7321973"/>
           </a:xfrm>
         </p:spPr>
         <p:txBody>
@@ -169,8 +169,8 @@
         </p:nvSpPr>
         <p:spPr>
           <a:xfrm>
-            <a:off x="1524000" y="10085706"/>
-            <a:ext cx="9144000" cy="4636134"/>
+            <a:off x="1524000" y="11046250"/>
+            <a:ext cx="9144000" cy="5077670"/>
           </a:xfrm>
         </p:spPr>
         <p:txBody>
@@ -290,7 +290,7 @@
     </p:spTree>
     <p:extLst>
       <p:ext uri="{BB962C8B-B14F-4D97-AF65-F5344CB8AC3E}">
-        <p14:creationId xmlns:p14="http://schemas.microsoft.com/office/powerpoint/2010/main" val="2377510253"/>
+        <p14:creationId xmlns:p14="http://schemas.microsoft.com/office/powerpoint/2010/main" val="3811503117"/>
       </p:ext>
     </p:extLst>
   </p:cSld>
@@ -460,7 +460,7 @@
     </p:spTree>
     <p:extLst>
       <p:ext uri="{BB962C8B-B14F-4D97-AF65-F5344CB8AC3E}">
-        <p14:creationId xmlns:p14="http://schemas.microsoft.com/office/powerpoint/2010/main" val="2293204533"/>
+        <p14:creationId xmlns:p14="http://schemas.microsoft.com/office/powerpoint/2010/main" val="4183700198"/>
       </p:ext>
     </p:extLst>
   </p:cSld>
@@ -499,8 +499,8 @@
         </p:nvSpPr>
         <p:spPr>
           <a:xfrm>
-            <a:off x="8724901" y="1022350"/>
-            <a:ext cx="2628900" cy="16273146"/>
+            <a:off x="8724901" y="1119717"/>
+            <a:ext cx="2628900" cy="17822970"/>
           </a:xfrm>
         </p:spPr>
         <p:txBody>
@@ -527,8 +527,8 @@
         </p:nvSpPr>
         <p:spPr>
           <a:xfrm>
-            <a:off x="838201" y="1022350"/>
-            <a:ext cx="7734300" cy="16273146"/>
+            <a:off x="838201" y="1119717"/>
+            <a:ext cx="7734300" cy="17822970"/>
           </a:xfrm>
         </p:spPr>
         <p:txBody>
@@ -640,7 +640,7 @@
     </p:spTree>
     <p:extLst>
       <p:ext uri="{BB962C8B-B14F-4D97-AF65-F5344CB8AC3E}">
-        <p14:creationId xmlns:p14="http://schemas.microsoft.com/office/powerpoint/2010/main" val="658117854"/>
+        <p14:creationId xmlns:p14="http://schemas.microsoft.com/office/powerpoint/2010/main" val="643870360"/>
       </p:ext>
     </p:extLst>
   </p:cSld>
@@ -810,7 +810,7 @@
     </p:spTree>
     <p:extLst>
       <p:ext uri="{BB962C8B-B14F-4D97-AF65-F5344CB8AC3E}">
-        <p14:creationId xmlns:p14="http://schemas.microsoft.com/office/powerpoint/2010/main" val="3701904332"/>
+        <p14:creationId xmlns:p14="http://schemas.microsoft.com/office/powerpoint/2010/main" val="1446674489"/>
       </p:ext>
     </p:extLst>
   </p:cSld>
@@ -849,8 +849,8 @@
         </p:nvSpPr>
         <p:spPr>
           <a:xfrm>
-            <a:off x="831851" y="4787270"/>
-            <a:ext cx="10515600" cy="7987664"/>
+            <a:off x="831851" y="5243201"/>
+            <a:ext cx="10515600" cy="8748393"/>
           </a:xfrm>
         </p:spPr>
         <p:txBody>
@@ -881,8 +881,8 @@
         </p:nvSpPr>
         <p:spPr>
           <a:xfrm>
-            <a:off x="831851" y="12850500"/>
-            <a:ext cx="10515600" cy="4200524"/>
+            <a:off x="831851" y="14074358"/>
+            <a:ext cx="10515600" cy="4600573"/>
           </a:xfrm>
         </p:spPr>
         <p:txBody>
@@ -1054,7 +1054,7 @@
     </p:spTree>
     <p:extLst>
       <p:ext uri="{BB962C8B-B14F-4D97-AF65-F5344CB8AC3E}">
-        <p14:creationId xmlns:p14="http://schemas.microsoft.com/office/powerpoint/2010/main" val="1364569799"/>
+        <p14:creationId xmlns:p14="http://schemas.microsoft.com/office/powerpoint/2010/main" val="857166671"/>
       </p:ext>
     </p:extLst>
   </p:cSld>
@@ -1116,8 +1116,8 @@
         </p:nvSpPr>
         <p:spPr>
           <a:xfrm>
-            <a:off x="838200" y="5111750"/>
-            <a:ext cx="5181600" cy="12183746"/>
+            <a:off x="838200" y="5598583"/>
+            <a:ext cx="5181600" cy="13344103"/>
           </a:xfrm>
         </p:spPr>
         <p:txBody>
@@ -1173,8 +1173,8 @@
         </p:nvSpPr>
         <p:spPr>
           <a:xfrm>
-            <a:off x="6172200" y="5111750"/>
-            <a:ext cx="5181600" cy="12183746"/>
+            <a:off x="6172200" y="5598583"/>
+            <a:ext cx="5181600" cy="13344103"/>
           </a:xfrm>
         </p:spPr>
         <p:txBody>
@@ -1286,7 +1286,7 @@
     </p:spTree>
     <p:extLst>
       <p:ext uri="{BB962C8B-B14F-4D97-AF65-F5344CB8AC3E}">
-        <p14:creationId xmlns:p14="http://schemas.microsoft.com/office/powerpoint/2010/main" val="3186852687"/>
+        <p14:creationId xmlns:p14="http://schemas.microsoft.com/office/powerpoint/2010/main" val="3311880757"/>
       </p:ext>
     </p:extLst>
   </p:cSld>
@@ -1325,8 +1325,8 @@
         </p:nvSpPr>
         <p:spPr>
           <a:xfrm>
-            <a:off x="839788" y="1022354"/>
-            <a:ext cx="10515600" cy="3711576"/>
+            <a:off x="839788" y="1119721"/>
+            <a:ext cx="10515600" cy="4065060"/>
           </a:xfrm>
         </p:spPr>
         <p:txBody>
@@ -1353,8 +1353,8 @@
         </p:nvSpPr>
         <p:spPr>
           <a:xfrm>
-            <a:off x="839789" y="4707256"/>
-            <a:ext cx="5157787" cy="2306954"/>
+            <a:off x="839789" y="5155567"/>
+            <a:ext cx="5157787" cy="2526663"/>
           </a:xfrm>
         </p:spPr>
         <p:txBody>
@@ -1418,8 +1418,8 @@
         </p:nvSpPr>
         <p:spPr>
           <a:xfrm>
-            <a:off x="839789" y="7014210"/>
-            <a:ext cx="5157787" cy="10316846"/>
+            <a:off x="839789" y="7682230"/>
+            <a:ext cx="5157787" cy="11299403"/>
           </a:xfrm>
         </p:spPr>
         <p:txBody>
@@ -1475,8 +1475,8 @@
         </p:nvSpPr>
         <p:spPr>
           <a:xfrm>
-            <a:off x="6172201" y="4707256"/>
-            <a:ext cx="5183188" cy="2306954"/>
+            <a:off x="6172201" y="5155567"/>
+            <a:ext cx="5183188" cy="2526663"/>
           </a:xfrm>
         </p:spPr>
         <p:txBody>
@@ -1540,8 +1540,8 @@
         </p:nvSpPr>
         <p:spPr>
           <a:xfrm>
-            <a:off x="6172201" y="7014210"/>
-            <a:ext cx="5183188" cy="10316846"/>
+            <a:off x="6172201" y="7682230"/>
+            <a:ext cx="5183188" cy="11299403"/>
           </a:xfrm>
         </p:spPr>
         <p:txBody>
@@ -1653,7 +1653,7 @@
     </p:spTree>
     <p:extLst>
       <p:ext uri="{BB962C8B-B14F-4D97-AF65-F5344CB8AC3E}">
-        <p14:creationId xmlns:p14="http://schemas.microsoft.com/office/powerpoint/2010/main" val="2813524918"/>
+        <p14:creationId xmlns:p14="http://schemas.microsoft.com/office/powerpoint/2010/main" val="3471092423"/>
       </p:ext>
     </p:extLst>
   </p:cSld>
@@ -1771,7 +1771,7 @@
     </p:spTree>
     <p:extLst>
       <p:ext uri="{BB962C8B-B14F-4D97-AF65-F5344CB8AC3E}">
-        <p14:creationId xmlns:p14="http://schemas.microsoft.com/office/powerpoint/2010/main" val="1397483349"/>
+        <p14:creationId xmlns:p14="http://schemas.microsoft.com/office/powerpoint/2010/main" val="611165324"/>
       </p:ext>
     </p:extLst>
   </p:cSld>
@@ -1866,7 +1866,7 @@
     </p:spTree>
     <p:extLst>
       <p:ext uri="{BB962C8B-B14F-4D97-AF65-F5344CB8AC3E}">
-        <p14:creationId xmlns:p14="http://schemas.microsoft.com/office/powerpoint/2010/main" val="2107908797"/>
+        <p14:creationId xmlns:p14="http://schemas.microsoft.com/office/powerpoint/2010/main" val="1351800727"/>
       </p:ext>
     </p:extLst>
   </p:cSld>
@@ -1905,8 +1905,8 @@
         </p:nvSpPr>
         <p:spPr>
           <a:xfrm>
-            <a:off x="839788" y="1280160"/>
-            <a:ext cx="3932237" cy="4480560"/>
+            <a:off x="839788" y="1402080"/>
+            <a:ext cx="3932237" cy="4907280"/>
           </a:xfrm>
         </p:spPr>
         <p:txBody>
@@ -1937,8 +1937,8 @@
         </p:nvSpPr>
         <p:spPr>
           <a:xfrm>
-            <a:off x="5183188" y="2764794"/>
-            <a:ext cx="6172200" cy="13646150"/>
+            <a:off x="5183188" y="3028108"/>
+            <a:ext cx="6172200" cy="14945783"/>
           </a:xfrm>
         </p:spPr>
         <p:txBody>
@@ -2022,8 +2022,8 @@
         </p:nvSpPr>
         <p:spPr>
           <a:xfrm>
-            <a:off x="839788" y="5760720"/>
-            <a:ext cx="3932237" cy="10672446"/>
+            <a:off x="839788" y="6309360"/>
+            <a:ext cx="3932237" cy="11688870"/>
           </a:xfrm>
         </p:spPr>
         <p:txBody>
@@ -2143,7 +2143,7 @@
     </p:spTree>
     <p:extLst>
       <p:ext uri="{BB962C8B-B14F-4D97-AF65-F5344CB8AC3E}">
-        <p14:creationId xmlns:p14="http://schemas.microsoft.com/office/powerpoint/2010/main" val="2039616910"/>
+        <p14:creationId xmlns:p14="http://schemas.microsoft.com/office/powerpoint/2010/main" val="3284160318"/>
       </p:ext>
     </p:extLst>
   </p:cSld>
@@ -2182,8 +2182,8 @@
         </p:nvSpPr>
         <p:spPr>
           <a:xfrm>
-            <a:off x="839788" y="1280160"/>
-            <a:ext cx="3932237" cy="4480560"/>
+            <a:off x="839788" y="1402080"/>
+            <a:ext cx="3932237" cy="4907280"/>
           </a:xfrm>
         </p:spPr>
         <p:txBody>
@@ -2214,8 +2214,8 @@
         </p:nvSpPr>
         <p:spPr>
           <a:xfrm>
-            <a:off x="5183188" y="2764794"/>
-            <a:ext cx="6172200" cy="13646150"/>
+            <a:off x="5183188" y="3028108"/>
+            <a:ext cx="6172200" cy="14945783"/>
           </a:xfrm>
         </p:spPr>
         <p:txBody>
@@ -2279,8 +2279,8 @@
         </p:nvSpPr>
         <p:spPr>
           <a:xfrm>
-            <a:off x="839788" y="5760720"/>
-            <a:ext cx="3932237" cy="10672446"/>
+            <a:off x="839788" y="6309360"/>
+            <a:ext cx="3932237" cy="11688870"/>
           </a:xfrm>
         </p:spPr>
         <p:txBody>
@@ -2400,7 +2400,7 @@
     </p:spTree>
     <p:extLst>
       <p:ext uri="{BB962C8B-B14F-4D97-AF65-F5344CB8AC3E}">
-        <p14:creationId xmlns:p14="http://schemas.microsoft.com/office/powerpoint/2010/main" val="1068837003"/>
+        <p14:creationId xmlns:p14="http://schemas.microsoft.com/office/powerpoint/2010/main" val="889375224"/>
       </p:ext>
     </p:extLst>
   </p:cSld>
@@ -2444,8 +2444,8 @@
         </p:nvSpPr>
         <p:spPr>
           <a:xfrm>
-            <a:off x="838200" y="1022354"/>
-            <a:ext cx="10515600" cy="3711576"/>
+            <a:off x="838200" y="1119721"/>
+            <a:ext cx="10515600" cy="4065060"/>
           </a:xfrm>
           <a:prstGeom prst="rect">
             <a:avLst/>
@@ -2477,8 +2477,8 @@
         </p:nvSpPr>
         <p:spPr>
           <a:xfrm>
-            <a:off x="838200" y="5111750"/>
-            <a:ext cx="10515600" cy="12183746"/>
+            <a:off x="838200" y="5598583"/>
+            <a:ext cx="10515600" cy="13344103"/>
           </a:xfrm>
           <a:prstGeom prst="rect">
             <a:avLst/>
@@ -2539,8 +2539,8 @@
         </p:nvSpPr>
         <p:spPr>
           <a:xfrm>
-            <a:off x="838200" y="17797784"/>
-            <a:ext cx="2743200" cy="1022350"/>
+            <a:off x="838200" y="19492811"/>
+            <a:ext cx="2743200" cy="1119717"/>
           </a:xfrm>
           <a:prstGeom prst="rect">
             <a:avLst/>
@@ -2580,8 +2580,8 @@
         </p:nvSpPr>
         <p:spPr>
           <a:xfrm>
-            <a:off x="4038600" y="17797784"/>
-            <a:ext cx="4114800" cy="1022350"/>
+            <a:off x="4038600" y="19492811"/>
+            <a:ext cx="4114800" cy="1119717"/>
           </a:xfrm>
           <a:prstGeom prst="rect">
             <a:avLst/>
@@ -2617,8 +2617,8 @@
         </p:nvSpPr>
         <p:spPr>
           <a:xfrm>
-            <a:off x="8610600" y="17797784"/>
-            <a:ext cx="2743200" cy="1022350"/>
+            <a:off x="8610600" y="19492811"/>
+            <a:ext cx="2743200" cy="1119717"/>
           </a:xfrm>
           <a:prstGeom prst="rect">
             <a:avLst/>
@@ -2649,23 +2649,23 @@
     </p:spTree>
     <p:extLst>
       <p:ext uri="{BB962C8B-B14F-4D97-AF65-F5344CB8AC3E}">
-        <p14:creationId xmlns:p14="http://schemas.microsoft.com/office/powerpoint/2010/main" val="1294952088"/>
+        <p14:creationId xmlns:p14="http://schemas.microsoft.com/office/powerpoint/2010/main" val="2056819506"/>
       </p:ext>
     </p:extLst>
   </p:cSld>
   <p:clrMap bg1="lt1" tx1="dk1" bg2="lt2" tx2="dk2" accent1="accent1" accent2="accent2" accent3="accent3" accent4="accent4" accent5="accent5" accent6="accent6" hlink="hlink" folHlink="folHlink"/>
   <p:sldLayoutIdLst>
-    <p:sldLayoutId id="2147483673" r:id="rId1"/>
-    <p:sldLayoutId id="2147483674" r:id="rId2"/>
-    <p:sldLayoutId id="2147483675" r:id="rId3"/>
-    <p:sldLayoutId id="2147483676" r:id="rId4"/>
-    <p:sldLayoutId id="2147483677" r:id="rId5"/>
-    <p:sldLayoutId id="2147483678" r:id="rId6"/>
-    <p:sldLayoutId id="2147483679" r:id="rId7"/>
-    <p:sldLayoutId id="2147483680" r:id="rId8"/>
-    <p:sldLayoutId id="2147483681" r:id="rId9"/>
-    <p:sldLayoutId id="2147483682" r:id="rId10"/>
-    <p:sldLayoutId id="2147483683" r:id="rId11"/>
+    <p:sldLayoutId id="2147483685" r:id="rId1"/>
+    <p:sldLayoutId id="2147483686" r:id="rId2"/>
+    <p:sldLayoutId id="2147483687" r:id="rId3"/>
+    <p:sldLayoutId id="2147483688" r:id="rId4"/>
+    <p:sldLayoutId id="2147483689" r:id="rId5"/>
+    <p:sldLayoutId id="2147483690" r:id="rId6"/>
+    <p:sldLayoutId id="2147483691" r:id="rId7"/>
+    <p:sldLayoutId id="2147483692" r:id="rId8"/>
+    <p:sldLayoutId id="2147483693" r:id="rId9"/>
+    <p:sldLayoutId id="2147483694" r:id="rId10"/>
+    <p:sldLayoutId id="2147483695" r:id="rId11"/>
   </p:sldLayoutIdLst>
   <p:txStyles>
     <p:titleStyle>
@@ -2981,7 +2981,7 @@
         </p:nvSpPr>
         <p:spPr>
           <a:xfrm>
-            <a:off x="847536" y="7592949"/>
+            <a:off x="874736" y="7647813"/>
             <a:ext cx="1865376" cy="3026664"/>
           </a:xfrm>
           <a:prstGeom prst="roundRect">
@@ -3011,17 +3011,6 @@
             <a:pPr algn="ctr"/>
             <a:r>
               <a:rPr lang="en-US" dirty="0"/>
-              <a:t>Mass = 17Mearth = 0.05Mjup</a:t>
-            </a:r>
-          </a:p>
-          <a:p>
-            <a:pPr algn="ctr"/>
-            <a:endParaRPr lang="en-US" dirty="0"/>
-          </a:p>
-          <a:p>
-            <a:pPr algn="ctr"/>
-            <a:r>
-              <a:rPr lang="en-US" dirty="0"/>
               <a:t>Radius = 4 </a:t>
             </a:r>
             <a:r>
@@ -3041,6 +3030,17 @@
             <a:pPr algn="ctr"/>
             <a:r>
               <a:rPr lang="en-US" dirty="0"/>
+              <a:t>Mass = 17Mearth = 0.05Mjup</a:t>
+            </a:r>
+          </a:p>
+          <a:p>
+            <a:pPr algn="ctr"/>
+            <a:endParaRPr lang="en-US" dirty="0"/>
+          </a:p>
+          <a:p>
+            <a:pPr algn="ctr"/>
+            <a:r>
+              <a:rPr lang="en-US" dirty="0"/>
               <a:t>Metallicity = 100</a:t>
             </a:r>
           </a:p>
@@ -3060,7 +3060,7 @@
         </p:nvSpPr>
         <p:spPr>
           <a:xfrm>
-            <a:off x="3026856" y="7592949"/>
+            <a:off x="3054056" y="7647814"/>
             <a:ext cx="1865376" cy="3026663"/>
           </a:xfrm>
           <a:prstGeom prst="roundRect">
@@ -3088,10 +3088,6 @@
           <a:lstStyle/>
           <a:p>
             <a:pPr algn="ctr"/>
-            <a:endParaRPr lang="en-US" dirty="0"/>
-          </a:p>
-          <a:p>
-            <a:pPr algn="ctr"/>
             <a:r>
               <a:rPr lang="en-US" dirty="0"/>
               <a:t>Radius = 6 </a:t>
@@ -3143,7 +3139,7 @@
         </p:nvSpPr>
         <p:spPr>
           <a:xfrm>
-            <a:off x="5206176" y="7592949"/>
+            <a:off x="5233376" y="7647813"/>
             <a:ext cx="1865376" cy="3026662"/>
           </a:xfrm>
           <a:prstGeom prst="roundRect">
@@ -3222,7 +3218,7 @@
         </p:nvSpPr>
         <p:spPr>
           <a:xfrm>
-            <a:off x="7321488" y="7592949"/>
+            <a:off x="7348688" y="7647814"/>
             <a:ext cx="1865376" cy="3026661"/>
           </a:xfrm>
           <a:prstGeom prst="roundRect">
@@ -3252,7 +3248,7 @@
             <a:pPr algn="ctr"/>
             <a:r>
               <a:rPr lang="en-US" dirty="0"/>
-              <a:t>Radius = 1Rjup</a:t>
+              <a:t>Radius = 11Rearth = 1Rjup</a:t>
             </a:r>
           </a:p>
           <a:p>
@@ -3263,7 +3259,7 @@
             <a:pPr algn="ctr"/>
             <a:r>
               <a:rPr lang="en-US" dirty="0"/>
-              <a:t>Mass = 1Mjup</a:t>
+              <a:t>Mass = 317Mearth = 1Mjup</a:t>
             </a:r>
           </a:p>
           <a:p>
@@ -3293,7 +3289,7 @@
         </p:nvSpPr>
         <p:spPr>
           <a:xfrm>
-            <a:off x="9436800" y="7592949"/>
+            <a:off x="9464000" y="7647813"/>
             <a:ext cx="1865376" cy="3026660"/>
           </a:xfrm>
           <a:prstGeom prst="roundRect">
@@ -3372,7 +3368,7 @@
         </p:nvSpPr>
         <p:spPr>
           <a:xfrm>
-            <a:off x="847536" y="983927"/>
+            <a:off x="874736" y="1038792"/>
             <a:ext cx="1865376" cy="1848871"/>
           </a:xfrm>
           <a:prstGeom prst="roundRect">
@@ -3461,7 +3457,7 @@
         </p:nvSpPr>
         <p:spPr>
           <a:xfrm>
-            <a:off x="3026856" y="983927"/>
+            <a:off x="3054056" y="1038791"/>
             <a:ext cx="1865376" cy="1848870"/>
           </a:xfrm>
           <a:prstGeom prst="roundRect">
@@ -3550,7 +3546,7 @@
         </p:nvSpPr>
         <p:spPr>
           <a:xfrm>
-            <a:off x="5206176" y="983927"/>
+            <a:off x="5233376" y="1038792"/>
             <a:ext cx="1865376" cy="1848869"/>
           </a:xfrm>
           <a:prstGeom prst="roundRect">
@@ -3639,7 +3635,7 @@
         </p:nvSpPr>
         <p:spPr>
           <a:xfrm>
-            <a:off x="7321488" y="983927"/>
+            <a:off x="7348688" y="1038792"/>
             <a:ext cx="1865376" cy="1848869"/>
           </a:xfrm>
           <a:prstGeom prst="roundRect">
@@ -3728,7 +3724,7 @@
         </p:nvSpPr>
         <p:spPr>
           <a:xfrm>
-            <a:off x="9436800" y="983927"/>
+            <a:off x="9464000" y="1038791"/>
             <a:ext cx="1865376" cy="1848868"/>
           </a:xfrm>
           <a:prstGeom prst="roundRect">
@@ -3817,7 +3813,7 @@
         </p:nvSpPr>
         <p:spPr>
           <a:xfrm>
-            <a:off x="1352862" y="611408"/>
+            <a:off x="1380063" y="666272"/>
             <a:ext cx="854721" cy="369332"/>
           </a:xfrm>
           <a:prstGeom prst="rect">
@@ -3852,7 +3848,7 @@
         </p:nvSpPr>
         <p:spPr>
           <a:xfrm>
-            <a:off x="1277233" y="7223617"/>
+            <a:off x="1304434" y="7278481"/>
             <a:ext cx="1005981" cy="369332"/>
           </a:xfrm>
           <a:prstGeom prst="rect">
@@ -3895,7 +3891,7 @@
         </p:blipFill>
         <p:spPr>
           <a:xfrm>
-            <a:off x="1068804" y="11290288"/>
+            <a:off x="1096004" y="11345152"/>
             <a:ext cx="4864100" cy="2755900"/>
           </a:xfrm>
           <a:prstGeom prst="rect">
@@ -3917,7 +3913,7 @@
         </p:nvSpPr>
         <p:spPr>
           <a:xfrm>
-            <a:off x="3208466" y="6706623"/>
+            <a:off x="3235666" y="6761487"/>
             <a:ext cx="1502156" cy="923330"/>
           </a:xfrm>
           <a:prstGeom prst="rect">
@@ -3967,7 +3963,7 @@
         </p:blipFill>
         <p:spPr bwMode="auto">
           <a:xfrm>
-            <a:off x="355035" y="3934862"/>
+            <a:off x="382236" y="3989726"/>
             <a:ext cx="3812659" cy="2707252"/>
           </a:xfrm>
           <a:prstGeom prst="rect">
@@ -4026,7 +4022,7 @@
         </p:nvSpPr>
         <p:spPr>
           <a:xfrm>
-            <a:off x="1220080" y="4529138"/>
+            <a:off x="1247280" y="4584003"/>
             <a:ext cx="2682312" cy="200025"/>
           </a:xfrm>
           <a:prstGeom prst="ellipse">
@@ -4080,7 +4076,7 @@
         </p:nvCxnSpPr>
         <p:spPr>
           <a:xfrm>
-            <a:off x="2561237" y="4729163"/>
+            <a:off x="2588438" y="4784028"/>
             <a:ext cx="1021639" cy="1977461"/>
           </a:xfrm>
           <a:prstGeom prst="straightConnector1">
@@ -4137,7 +4133,7 @@
         </p:blipFill>
         <p:spPr bwMode="auto">
           <a:xfrm>
-            <a:off x="4554659" y="3628620"/>
+            <a:off x="4581859" y="3683485"/>
             <a:ext cx="4579390" cy="3606385"/>
           </a:xfrm>
           <a:prstGeom prst="rect">
@@ -4198,7 +4194,7 @@
         </p:nvCxnSpPr>
         <p:spPr>
           <a:xfrm flipV="1">
-            <a:off x="1868521" y="10434527"/>
+            <a:off x="1895721" y="10489391"/>
             <a:ext cx="1588034" cy="1588236"/>
           </a:xfrm>
           <a:prstGeom prst="straightConnector1">
@@ -4242,7 +4238,7 @@
         </p:nvCxnSpPr>
         <p:spPr>
           <a:xfrm>
-            <a:off x="4790647" y="4871731"/>
+            <a:off x="4817847" y="4926595"/>
             <a:ext cx="2496054" cy="0"/>
           </a:xfrm>
           <a:prstGeom prst="line">
@@ -4285,7 +4281,7 @@
         </p:nvCxnSpPr>
         <p:spPr>
           <a:xfrm flipV="1">
-            <a:off x="7286701" y="4871732"/>
+            <a:off x="7313901" y="4926597"/>
             <a:ext cx="0" cy="2028825"/>
           </a:xfrm>
           <a:prstGeom prst="line">
@@ -4328,7 +4324,7 @@
         </p:nvCxnSpPr>
         <p:spPr>
           <a:xfrm flipV="1">
-            <a:off x="2884644" y="12033224"/>
+            <a:off x="2911844" y="12088089"/>
             <a:ext cx="0" cy="1328739"/>
           </a:xfrm>
           <a:prstGeom prst="line">
@@ -4371,7 +4367,7 @@
         </p:nvCxnSpPr>
         <p:spPr>
           <a:xfrm>
-            <a:off x="1603538" y="12033223"/>
+            <a:off x="1630739" y="12088087"/>
             <a:ext cx="1281107" cy="0"/>
           </a:xfrm>
           <a:prstGeom prst="line">
@@ -4414,7 +4410,7 @@
         </p:nvCxnSpPr>
         <p:spPr>
           <a:xfrm flipH="1">
-            <a:off x="4349303" y="6642114"/>
+            <a:off x="4376503" y="6696978"/>
             <a:ext cx="2937398" cy="2519486"/>
           </a:xfrm>
           <a:prstGeom prst="straightConnector1">
@@ -4456,7 +4452,7 @@
         </p:nvSpPr>
         <p:spPr>
           <a:xfrm>
-            <a:off x="5725136" y="7279264"/>
+            <a:off x="5752336" y="7334128"/>
             <a:ext cx="799706" cy="369332"/>
           </a:xfrm>
           <a:prstGeom prst="rect">
@@ -4491,7 +4487,7 @@
         </p:nvSpPr>
         <p:spPr>
           <a:xfrm>
-            <a:off x="7854324" y="7260621"/>
+            <a:off x="7881525" y="7315485"/>
             <a:ext cx="824969" cy="369332"/>
           </a:xfrm>
           <a:prstGeom prst="rect">
@@ -4526,7 +4522,7 @@
         </p:nvSpPr>
         <p:spPr>
           <a:xfrm>
-            <a:off x="9653009" y="7240036"/>
+            <a:off x="9680209" y="7294900"/>
             <a:ext cx="1422890" cy="369332"/>
           </a:xfrm>
           <a:prstGeom prst="rect">
@@ -4561,7 +4557,7 @@
         </p:nvSpPr>
         <p:spPr>
           <a:xfrm>
-            <a:off x="1371756" y="4133695"/>
+            <a:off x="1398956" y="4188560"/>
             <a:ext cx="2682312" cy="330933"/>
           </a:xfrm>
           <a:prstGeom prst="ellipse">
@@ -4616,7 +4612,7 @@
         </p:nvCxnSpPr>
         <p:spPr>
           <a:xfrm>
-            <a:off x="4054069" y="4299162"/>
+            <a:off x="4081270" y="4354027"/>
             <a:ext cx="5964675" cy="3037617"/>
           </a:xfrm>
           <a:prstGeom prst="straightConnector1">
@@ -4660,7 +4656,7 @@
         </p:nvCxnSpPr>
         <p:spPr>
           <a:xfrm>
-            <a:off x="4710622" y="4318671"/>
+            <a:off x="4737822" y="4373535"/>
             <a:ext cx="4263082" cy="0"/>
           </a:xfrm>
           <a:prstGeom prst="line">
@@ -4703,7 +4699,7 @@
         </p:nvCxnSpPr>
         <p:spPr>
           <a:xfrm flipV="1">
-            <a:off x="8973704" y="4310721"/>
+            <a:off x="9000904" y="4365586"/>
             <a:ext cx="0" cy="2662563"/>
           </a:xfrm>
           <a:prstGeom prst="line">
@@ -4746,7 +4742,7 @@
         </p:nvCxnSpPr>
         <p:spPr>
           <a:xfrm flipV="1">
-            <a:off x="5016919" y="12673739"/>
+            <a:off x="5044119" y="12728603"/>
             <a:ext cx="0" cy="664370"/>
           </a:xfrm>
           <a:prstGeom prst="line">
@@ -4789,7 +4785,7 @@
         </p:nvCxnSpPr>
         <p:spPr>
           <a:xfrm>
-            <a:off x="1603537" y="12681690"/>
+            <a:off x="1630737" y="12736554"/>
             <a:ext cx="3413382" cy="0"/>
           </a:xfrm>
           <a:prstGeom prst="line">
@@ -4832,7 +4828,7 @@
         </p:nvCxnSpPr>
         <p:spPr>
           <a:xfrm flipV="1">
-            <a:off x="4923167" y="10330982"/>
+            <a:off x="4950368" y="10385847"/>
             <a:ext cx="4804387" cy="2337257"/>
           </a:xfrm>
           <a:prstGeom prst="straightConnector1">
@@ -4874,7 +4870,7 @@
         </p:nvSpPr>
         <p:spPr>
           <a:xfrm>
-            <a:off x="212984" y="3628619"/>
+            <a:off x="240184" y="3683483"/>
             <a:ext cx="11738344" cy="10630306"/>
           </a:xfrm>
           <a:prstGeom prst="rect">
@@ -4926,7 +4922,7 @@
         </p:nvCxnSpPr>
         <p:spPr>
           <a:xfrm>
-            <a:off x="8982922" y="4338182"/>
+            <a:off x="9010123" y="4393046"/>
             <a:ext cx="858773" cy="3669138"/>
           </a:xfrm>
           <a:prstGeom prst="straightConnector1">
@@ -4968,7 +4964,7 @@
         </p:nvSpPr>
         <p:spPr>
           <a:xfrm>
-            <a:off x="3511291" y="644235"/>
+            <a:off x="3538491" y="699099"/>
             <a:ext cx="1085554" cy="369332"/>
           </a:xfrm>
           <a:prstGeom prst="rect">
@@ -5003,7 +4999,7 @@
         </p:nvSpPr>
         <p:spPr>
           <a:xfrm>
-            <a:off x="5536783" y="617112"/>
+            <a:off x="5563983" y="671976"/>
             <a:ext cx="1176412" cy="369332"/>
           </a:xfrm>
           <a:prstGeom prst="rect">
@@ -5038,7 +5034,7 @@
         </p:nvSpPr>
         <p:spPr>
           <a:xfrm>
-            <a:off x="7839447" y="608232"/>
+            <a:off x="7866648" y="663096"/>
             <a:ext cx="763351" cy="369332"/>
           </a:xfrm>
           <a:prstGeom prst="rect">
@@ -5073,7 +5069,7 @@
         </p:nvSpPr>
         <p:spPr>
           <a:xfrm>
-            <a:off x="9937093" y="585975"/>
+            <a:off x="9964293" y="640839"/>
             <a:ext cx="854208" cy="369332"/>
           </a:xfrm>
           <a:prstGeom prst="rect">
@@ -5108,7 +5104,7 @@
         </p:nvSpPr>
         <p:spPr>
           <a:xfrm>
-            <a:off x="199628" y="436638"/>
+            <a:off x="226828" y="491502"/>
             <a:ext cx="11738344" cy="2478824"/>
           </a:xfrm>
           <a:prstGeom prst="rect">
@@ -5158,7 +5154,7 @@
         </p:nvSpPr>
         <p:spPr>
           <a:xfrm>
-            <a:off x="5370671" y="91703"/>
+            <a:off x="5397872" y="146567"/>
             <a:ext cx="1336007" cy="369332"/>
           </a:xfrm>
           <a:prstGeom prst="rect">
@@ -5193,7 +5189,7 @@
         </p:nvSpPr>
         <p:spPr>
           <a:xfrm>
-            <a:off x="5344776" y="3318422"/>
+            <a:off x="5371977" y="3373286"/>
             <a:ext cx="1560427" cy="369332"/>
           </a:xfrm>
           <a:prstGeom prst="rect">
@@ -5228,7 +5224,7 @@
         </p:nvSpPr>
         <p:spPr>
           <a:xfrm>
-            <a:off x="5324889" y="3013548"/>
+            <a:off x="5352089" y="3068412"/>
             <a:ext cx="1600200" cy="338542"/>
           </a:xfrm>
           <a:prstGeom prst="downArrow">
@@ -5274,7 +5270,7 @@
         </p:nvSpPr>
         <p:spPr>
           <a:xfrm>
-            <a:off x="4400433" y="14680052"/>
+            <a:off x="4427633" y="14734916"/>
             <a:ext cx="3064942" cy="369332"/>
           </a:xfrm>
           <a:prstGeom prst="rect">
@@ -5309,7 +5305,7 @@
         </p:nvSpPr>
         <p:spPr>
           <a:xfrm>
-            <a:off x="5132804" y="14378321"/>
+            <a:off x="5160004" y="14433185"/>
             <a:ext cx="1600200" cy="338542"/>
           </a:xfrm>
           <a:prstGeom prst="downArrow">
@@ -5355,7 +5351,7 @@
         </p:nvSpPr>
         <p:spPr>
           <a:xfrm>
-            <a:off x="1068804" y="15196739"/>
+            <a:off x="1096004" y="15251604"/>
             <a:ext cx="1865376" cy="453589"/>
           </a:xfrm>
           <a:prstGeom prst="roundRect">
@@ -5404,7 +5400,7 @@
         </p:nvSpPr>
         <p:spPr>
           <a:xfrm>
-            <a:off x="3068226" y="15193852"/>
+            <a:off x="3095426" y="15248717"/>
             <a:ext cx="1865376" cy="453589"/>
           </a:xfrm>
           <a:prstGeom prst="roundRect">
@@ -5453,7 +5449,7 @@
         </p:nvSpPr>
         <p:spPr>
           <a:xfrm>
-            <a:off x="5069404" y="15193851"/>
+            <a:off x="5096604" y="15248716"/>
             <a:ext cx="1865376" cy="453589"/>
           </a:xfrm>
           <a:prstGeom prst="roundRect">
@@ -5502,7 +5498,7 @@
         </p:nvSpPr>
         <p:spPr>
           <a:xfrm>
-            <a:off x="7068826" y="15193850"/>
+            <a:off x="7096026" y="15248715"/>
             <a:ext cx="1865376" cy="453589"/>
           </a:xfrm>
           <a:prstGeom prst="roundRect">
@@ -5551,7 +5547,7 @@
         </p:nvSpPr>
         <p:spPr>
           <a:xfrm>
-            <a:off x="9068248" y="15193849"/>
+            <a:off x="9095448" y="15248714"/>
             <a:ext cx="1865376" cy="453589"/>
           </a:xfrm>
           <a:prstGeom prst="roundRect">
@@ -5600,7 +5596,7 @@
         </p:nvSpPr>
         <p:spPr>
           <a:xfrm>
-            <a:off x="5036952" y="16174876"/>
+            <a:off x="5069838" y="16472074"/>
             <a:ext cx="1819281" cy="369332"/>
           </a:xfrm>
           <a:prstGeom prst="rect">
@@ -5635,8 +5631,8 @@
         </p:nvSpPr>
         <p:spPr>
           <a:xfrm>
-            <a:off x="5132804" y="15829205"/>
-            <a:ext cx="1600200" cy="338542"/>
+            <a:off x="5160004" y="15884068"/>
+            <a:ext cx="1600200" cy="588005"/>
           </a:xfrm>
           <a:prstGeom prst="downArrow">
             <a:avLst/>
@@ -5681,7 +5677,7 @@
         </p:nvSpPr>
         <p:spPr>
           <a:xfrm>
-            <a:off x="4004943" y="16564699"/>
+            <a:off x="4016727" y="16889796"/>
             <a:ext cx="1865376" cy="453589"/>
           </a:xfrm>
           <a:prstGeom prst="roundRect">
@@ -5730,7 +5726,7 @@
         </p:nvSpPr>
         <p:spPr>
           <a:xfrm>
-            <a:off x="6004365" y="16564698"/>
+            <a:off x="6016149" y="16889795"/>
             <a:ext cx="1865376" cy="453589"/>
           </a:xfrm>
           <a:prstGeom prst="roundRect">
@@ -5779,8 +5775,8 @@
         </p:nvSpPr>
         <p:spPr>
           <a:xfrm>
-            <a:off x="5144265" y="17162754"/>
-            <a:ext cx="1600200" cy="338542"/>
+            <a:off x="5156049" y="17487849"/>
+            <a:ext cx="1600200" cy="896769"/>
           </a:xfrm>
           <a:prstGeom prst="downArrow">
             <a:avLst/>
@@ -5825,7 +5821,7 @@
         </p:nvSpPr>
         <p:spPr>
           <a:xfrm>
-            <a:off x="4743757" y="17683061"/>
+            <a:off x="4734381" y="18923925"/>
             <a:ext cx="2516670" cy="1216152"/>
           </a:xfrm>
           <a:prstGeom prst="trapezoid">
@@ -5874,7 +5870,7 @@
         </p:nvSpPr>
         <p:spPr>
           <a:xfrm>
-            <a:off x="7167195" y="18033807"/>
+            <a:off x="5050443" y="20126953"/>
             <a:ext cx="1858073" cy="369332"/>
           </a:xfrm>
           <a:prstGeom prst="rect">
@@ -5890,7 +5886,7 @@
           <a:p>
             <a:r>
               <a:rPr lang="en-US" dirty="0"/>
-              <a:t>252 permutations</a:t>
+              <a:t>250 permutations</a:t>
             </a:r>
           </a:p>
         </p:txBody>
@@ -5909,7 +5905,7 @@
         </p:nvSpPr>
         <p:spPr>
           <a:xfrm rot="5400000">
-            <a:off x="3536865" y="18049202"/>
+            <a:off x="3582959" y="19362730"/>
             <a:ext cx="1600200" cy="338542"/>
           </a:xfrm>
           <a:prstGeom prst="downArrow">
@@ -5955,7 +5951,7 @@
         </p:nvSpPr>
         <p:spPr>
           <a:xfrm>
-            <a:off x="2261364" y="17544778"/>
+            <a:off x="100889" y="19176736"/>
             <a:ext cx="1437966" cy="1347389"/>
           </a:xfrm>
           <a:prstGeom prst="snip2SameRect">
@@ -6004,7 +6000,7 @@
         </p:nvSpPr>
         <p:spPr>
           <a:xfrm>
-            <a:off x="7100095" y="2921203"/>
+            <a:off x="7127296" y="2976068"/>
             <a:ext cx="4897495" cy="430887"/>
           </a:xfrm>
           <a:prstGeom prst="rect">
@@ -6057,6 +6053,580 @@
               <a:t>EEM_dwarf_UBVIJHK_colors_Teff.txt</a:t>
             </a:r>
             <a:endParaRPr lang="en-US" sz="1100" dirty="0"/>
+          </a:p>
+        </p:txBody>
+      </p:sp>
+      <p:sp>
+        <p:nvSpPr>
+          <p:cNvPr id="127" name="Rectangle 126">
+            <a:extLst>
+              <a:ext uri="{FF2B5EF4-FFF2-40B4-BE49-F238E27FC236}">
+                <a16:creationId xmlns:a16="http://schemas.microsoft.com/office/drawing/2014/main" id="{A6D6A859-AB04-B97A-8101-FA15268E32FD}"/>
+              </a:ext>
+            </a:extLst>
+          </p:cNvPr>
+          <p:cNvSpPr/>
+          <p:nvPr/>
+        </p:nvSpPr>
+        <p:spPr>
+          <a:xfrm>
+            <a:off x="8961402" y="17944908"/>
+            <a:ext cx="2417742" cy="2594790"/>
+          </a:xfrm>
+          <a:prstGeom prst="rect">
+            <a:avLst/>
+          </a:prstGeom>
+        </p:spPr>
+        <p:style>
+          <a:lnRef idx="2">
+            <a:schemeClr val="accent1">
+              <a:shade val="15000"/>
+            </a:schemeClr>
+          </a:lnRef>
+          <a:fillRef idx="1">
+            <a:schemeClr val="accent1"/>
+          </a:fillRef>
+          <a:effectRef idx="0">
+            <a:schemeClr val="accent1"/>
+          </a:effectRef>
+          <a:fontRef idx="minor">
+            <a:schemeClr val="lt1"/>
+          </a:fontRef>
+        </p:style>
+        <p:txBody>
+          <a:bodyPr rtlCol="0" anchor="t" anchorCtr="0"/>
+          <a:lstStyle/>
+          <a:p>
+            <a:r>
+              <a:rPr lang="en-US" dirty="0" err="1"/>
+              <a:t>T_int</a:t>
+            </a:r>
+            <a:r>
+              <a:rPr lang="en-US" dirty="0"/>
+              <a:t> = 100K</a:t>
+            </a:r>
+          </a:p>
+          <a:p>
+            <a:r>
+              <a:rPr lang="en-US" dirty="0" err="1"/>
+              <a:t>noTiVO</a:t>
+            </a:r>
+            <a:r>
+              <a:rPr lang="en-US" dirty="0"/>
+              <a:t> = True</a:t>
+            </a:r>
+          </a:p>
+          <a:p>
+            <a:r>
+              <a:rPr lang="en-US" dirty="0" err="1"/>
+              <a:t>Rfacv</a:t>
+            </a:r>
+            <a:r>
+              <a:rPr lang="en-US" dirty="0"/>
+              <a:t> = 0.5</a:t>
+            </a:r>
+          </a:p>
+          <a:p>
+            <a:r>
+              <a:rPr lang="en-US" dirty="0" err="1"/>
+              <a:t>Nstr_upper</a:t>
+            </a:r>
+            <a:r>
+              <a:rPr lang="en-US" dirty="0"/>
+              <a:t> = 85</a:t>
+            </a:r>
+          </a:p>
+          <a:p>
+            <a:r>
+              <a:rPr lang="en-US" dirty="0" err="1"/>
+              <a:t>Nlevel</a:t>
+            </a:r>
+            <a:r>
+              <a:rPr lang="en-US" dirty="0"/>
+              <a:t> = 91</a:t>
+            </a:r>
+          </a:p>
+          <a:p>
+            <a:r>
+              <a:rPr lang="en-US" dirty="0" err="1"/>
+              <a:t>Nstr_deep</a:t>
+            </a:r>
+            <a:r>
+              <a:rPr lang="en-US" dirty="0"/>
+              <a:t> = 89</a:t>
+            </a:r>
+          </a:p>
+          <a:p>
+            <a:r>
+              <a:rPr lang="en-US" dirty="0" err="1"/>
+              <a:t>Nofczns</a:t>
+            </a:r>
+            <a:r>
+              <a:rPr lang="en-US" dirty="0"/>
+              <a:t> = 1</a:t>
+            </a:r>
+          </a:p>
+          <a:p>
+            <a:r>
+              <a:rPr lang="en-US" dirty="0" err="1"/>
+              <a:t>P_bottom</a:t>
+            </a:r>
+            <a:r>
+              <a:rPr lang="en-US" dirty="0"/>
+              <a:t> = 2</a:t>
+            </a:r>
+          </a:p>
+          <a:p>
+            <a:r>
+              <a:rPr lang="en-US" dirty="0" err="1"/>
+              <a:t>P_top</a:t>
+            </a:r>
+            <a:r>
+              <a:rPr lang="en-US" dirty="0"/>
+              <a:t> = -6</a:t>
+            </a:r>
+          </a:p>
+        </p:txBody>
+      </p:sp>
+      <p:sp>
+        <p:nvSpPr>
+          <p:cNvPr id="128" name="TextBox 127">
+            <a:extLst>
+              <a:ext uri="{FF2B5EF4-FFF2-40B4-BE49-F238E27FC236}">
+                <a16:creationId xmlns:a16="http://schemas.microsoft.com/office/drawing/2014/main" id="{F3198248-717D-DF5C-D447-CCB878DC3F1A}"/>
+              </a:ext>
+            </a:extLst>
+          </p:cNvPr>
+          <p:cNvSpPr txBox="1"/>
+          <p:nvPr/>
+        </p:nvSpPr>
+        <p:spPr>
+          <a:xfrm>
+            <a:off x="8955340" y="17583841"/>
+            <a:ext cx="2423805" cy="369332"/>
+          </a:xfrm>
+          <a:prstGeom prst="rect">
+            <a:avLst/>
+          </a:prstGeom>
+          <a:noFill/>
+        </p:spPr>
+        <p:txBody>
+          <a:bodyPr wrap="none" rtlCol="0">
+            <a:spAutoFit/>
+          </a:bodyPr>
+          <a:lstStyle/>
+          <a:p>
+            <a:r>
+              <a:rPr lang="en-US" dirty="0"/>
+              <a:t>Variables kept constant:</a:t>
+            </a:r>
+          </a:p>
+        </p:txBody>
+      </p:sp>
+      <p:sp>
+        <p:nvSpPr>
+          <p:cNvPr id="129" name="Down Arrow 128">
+            <a:extLst>
+              <a:ext uri="{FF2B5EF4-FFF2-40B4-BE49-F238E27FC236}">
+                <a16:creationId xmlns:a16="http://schemas.microsoft.com/office/drawing/2014/main" id="{0B886324-1FE6-0060-4945-AD04CFA870D0}"/>
+              </a:ext>
+            </a:extLst>
+          </p:cNvPr>
+          <p:cNvSpPr/>
+          <p:nvPr/>
+        </p:nvSpPr>
+        <p:spPr>
+          <a:xfrm rot="5400000">
+            <a:off x="7591189" y="19041810"/>
+            <a:ext cx="1600200" cy="737154"/>
+          </a:xfrm>
+          <a:prstGeom prst="downArrow">
+            <a:avLst/>
+          </a:prstGeom>
+        </p:spPr>
+        <p:style>
+          <a:lnRef idx="2">
+            <a:schemeClr val="accent1">
+              <a:shade val="15000"/>
+            </a:schemeClr>
+          </a:lnRef>
+          <a:fillRef idx="1">
+            <a:schemeClr val="accent1"/>
+          </a:fillRef>
+          <a:effectRef idx="0">
+            <a:schemeClr val="accent1"/>
+          </a:effectRef>
+          <a:fontRef idx="minor">
+            <a:schemeClr val="lt1"/>
+          </a:fontRef>
+        </p:style>
+        <p:txBody>
+          <a:bodyPr rtlCol="0" anchor="ctr"/>
+          <a:lstStyle/>
+          <a:p>
+            <a:pPr algn="ctr"/>
+            <a:endParaRPr lang="en-US"/>
+          </a:p>
+        </p:txBody>
+      </p:sp>
+      <p:sp>
+        <p:nvSpPr>
+          <p:cNvPr id="130" name="Rounded Rectangle 129">
+            <a:extLst>
+              <a:ext uri="{FF2B5EF4-FFF2-40B4-BE49-F238E27FC236}">
+                <a16:creationId xmlns:a16="http://schemas.microsoft.com/office/drawing/2014/main" id="{6D1EB8EF-018C-2BA2-82BF-8224386632F8}"/>
+              </a:ext>
+            </a:extLst>
+          </p:cNvPr>
+          <p:cNvSpPr/>
+          <p:nvPr/>
+        </p:nvSpPr>
+        <p:spPr>
+          <a:xfrm>
+            <a:off x="2116841" y="19661156"/>
+            <a:ext cx="1865376" cy="453589"/>
+          </a:xfrm>
+          <a:prstGeom prst="roundRect">
+            <a:avLst/>
+          </a:prstGeom>
+        </p:spPr>
+        <p:style>
+          <a:lnRef idx="2">
+            <a:schemeClr val="accent1">
+              <a:shade val="15000"/>
+            </a:schemeClr>
+          </a:lnRef>
+          <a:fillRef idx="1">
+            <a:schemeClr val="accent1"/>
+          </a:fillRef>
+          <a:effectRef idx="0">
+            <a:schemeClr val="accent1"/>
+          </a:effectRef>
+          <a:fontRef idx="minor">
+            <a:schemeClr val="lt1"/>
+          </a:fontRef>
+        </p:style>
+        <p:txBody>
+          <a:bodyPr rtlCol="0" anchor="ctr"/>
+          <a:lstStyle/>
+          <a:p>
+            <a:pPr algn="ctr"/>
+            <a:r>
+              <a:rPr lang="en-US" dirty="0"/>
+              <a:t>45 deg</a:t>
+            </a:r>
+          </a:p>
+        </p:txBody>
+      </p:sp>
+      <p:sp>
+        <p:nvSpPr>
+          <p:cNvPr id="131" name="Rounded Rectangle 130">
+            <a:extLst>
+              <a:ext uri="{FF2B5EF4-FFF2-40B4-BE49-F238E27FC236}">
+                <a16:creationId xmlns:a16="http://schemas.microsoft.com/office/drawing/2014/main" id="{C80B7B3E-F495-2833-F662-CB167D602316}"/>
+              </a:ext>
+            </a:extLst>
+          </p:cNvPr>
+          <p:cNvSpPr/>
+          <p:nvPr/>
+        </p:nvSpPr>
+        <p:spPr>
+          <a:xfrm>
+            <a:off x="2121368" y="20174816"/>
+            <a:ext cx="1865376" cy="453589"/>
+          </a:xfrm>
+          <a:prstGeom prst="roundRect">
+            <a:avLst/>
+          </a:prstGeom>
+        </p:spPr>
+        <p:style>
+          <a:lnRef idx="2">
+            <a:schemeClr val="accent1">
+              <a:shade val="15000"/>
+            </a:schemeClr>
+          </a:lnRef>
+          <a:fillRef idx="1">
+            <a:schemeClr val="accent1"/>
+          </a:fillRef>
+          <a:effectRef idx="0">
+            <a:schemeClr val="accent1"/>
+          </a:effectRef>
+          <a:fontRef idx="minor">
+            <a:schemeClr val="lt1"/>
+          </a:fontRef>
+        </p:style>
+        <p:txBody>
+          <a:bodyPr rtlCol="0" anchor="ctr"/>
+          <a:lstStyle/>
+          <a:p>
+            <a:pPr algn="ctr"/>
+            <a:r>
+              <a:rPr lang="en-US" dirty="0"/>
+              <a:t>0 deg</a:t>
+            </a:r>
+          </a:p>
+        </p:txBody>
+      </p:sp>
+      <p:sp>
+        <p:nvSpPr>
+          <p:cNvPr id="132" name="Rounded Rectangle 131">
+            <a:extLst>
+              <a:ext uri="{FF2B5EF4-FFF2-40B4-BE49-F238E27FC236}">
+                <a16:creationId xmlns:a16="http://schemas.microsoft.com/office/drawing/2014/main" id="{90F43AAA-5358-8CC0-16B5-34D01AB3883A}"/>
+              </a:ext>
+            </a:extLst>
+          </p:cNvPr>
+          <p:cNvSpPr/>
+          <p:nvPr/>
+        </p:nvSpPr>
+        <p:spPr>
+          <a:xfrm>
+            <a:off x="2122782" y="19130594"/>
+            <a:ext cx="1865376" cy="453589"/>
+          </a:xfrm>
+          <a:prstGeom prst="roundRect">
+            <a:avLst/>
+          </a:prstGeom>
+        </p:spPr>
+        <p:style>
+          <a:lnRef idx="2">
+            <a:schemeClr val="accent1">
+              <a:shade val="15000"/>
+            </a:schemeClr>
+          </a:lnRef>
+          <a:fillRef idx="1">
+            <a:schemeClr val="accent1"/>
+          </a:fillRef>
+          <a:effectRef idx="0">
+            <a:schemeClr val="accent1"/>
+          </a:effectRef>
+          <a:fontRef idx="minor">
+            <a:schemeClr val="lt1"/>
+          </a:fontRef>
+        </p:style>
+        <p:txBody>
+          <a:bodyPr rtlCol="0" anchor="ctr"/>
+          <a:lstStyle/>
+          <a:p>
+            <a:pPr algn="ctr"/>
+            <a:r>
+              <a:rPr lang="en-US" dirty="0"/>
+              <a:t>90 deg</a:t>
+            </a:r>
+          </a:p>
+        </p:txBody>
+      </p:sp>
+      <p:sp>
+        <p:nvSpPr>
+          <p:cNvPr id="133" name="Rounded Rectangle 132">
+            <a:extLst>
+              <a:ext uri="{FF2B5EF4-FFF2-40B4-BE49-F238E27FC236}">
+                <a16:creationId xmlns:a16="http://schemas.microsoft.com/office/drawing/2014/main" id="{852AF2F4-2823-228A-98C8-D4EF1BC1D34E}"/>
+              </a:ext>
+            </a:extLst>
+          </p:cNvPr>
+          <p:cNvSpPr/>
+          <p:nvPr/>
+        </p:nvSpPr>
+        <p:spPr>
+          <a:xfrm>
+            <a:off x="2127853" y="18610287"/>
+            <a:ext cx="1865376" cy="453589"/>
+          </a:xfrm>
+          <a:prstGeom prst="roundRect">
+            <a:avLst/>
+          </a:prstGeom>
+        </p:spPr>
+        <p:style>
+          <a:lnRef idx="2">
+            <a:schemeClr val="accent1">
+              <a:shade val="15000"/>
+            </a:schemeClr>
+          </a:lnRef>
+          <a:fillRef idx="1">
+            <a:schemeClr val="accent1"/>
+          </a:fillRef>
+          <a:effectRef idx="0">
+            <a:schemeClr val="accent1"/>
+          </a:effectRef>
+          <a:fontRef idx="minor">
+            <a:schemeClr val="lt1"/>
+          </a:fontRef>
+        </p:style>
+        <p:txBody>
+          <a:bodyPr rtlCol="0" anchor="ctr"/>
+          <a:lstStyle/>
+          <a:p>
+            <a:pPr algn="ctr"/>
+            <a:r>
+              <a:rPr lang="en-US" dirty="0"/>
+              <a:t>120 deg</a:t>
+            </a:r>
+          </a:p>
+        </p:txBody>
+      </p:sp>
+      <p:sp>
+        <p:nvSpPr>
+          <p:cNvPr id="134" name="TextBox 133">
+            <a:extLst>
+              <a:ext uri="{FF2B5EF4-FFF2-40B4-BE49-F238E27FC236}">
+                <a16:creationId xmlns:a16="http://schemas.microsoft.com/office/drawing/2014/main" id="{31355072-7D74-C9E2-56D4-0795C78409EF}"/>
+              </a:ext>
+            </a:extLst>
+          </p:cNvPr>
+          <p:cNvSpPr txBox="1"/>
+          <p:nvPr/>
+        </p:nvSpPr>
+        <p:spPr>
+          <a:xfrm>
+            <a:off x="2416394" y="17588362"/>
+            <a:ext cx="1358064" cy="369332"/>
+          </a:xfrm>
+          <a:prstGeom prst="rect">
+            <a:avLst/>
+          </a:prstGeom>
+          <a:noFill/>
+        </p:spPr>
+        <p:txBody>
+          <a:bodyPr wrap="none" rtlCol="0">
+            <a:spAutoFit/>
+          </a:bodyPr>
+          <a:lstStyle/>
+          <a:p>
+            <a:r>
+              <a:rPr lang="en-US" dirty="0"/>
+              <a:t>Select Phase</a:t>
+            </a:r>
+          </a:p>
+        </p:txBody>
+      </p:sp>
+      <p:sp>
+        <p:nvSpPr>
+          <p:cNvPr id="135" name="Rounded Rectangle 134">
+            <a:extLst>
+              <a:ext uri="{FF2B5EF4-FFF2-40B4-BE49-F238E27FC236}">
+                <a16:creationId xmlns:a16="http://schemas.microsoft.com/office/drawing/2014/main" id="{FDA0B341-17D8-BD9A-72EA-AA340AE12B76}"/>
+              </a:ext>
+            </a:extLst>
+          </p:cNvPr>
+          <p:cNvSpPr/>
+          <p:nvPr/>
+        </p:nvSpPr>
+        <p:spPr>
+          <a:xfrm>
+            <a:off x="2116752" y="18098181"/>
+            <a:ext cx="1865376" cy="453589"/>
+          </a:xfrm>
+          <a:prstGeom prst="roundRect">
+            <a:avLst/>
+          </a:prstGeom>
+        </p:spPr>
+        <p:style>
+          <a:lnRef idx="2">
+            <a:schemeClr val="accent1">
+              <a:shade val="15000"/>
+            </a:schemeClr>
+          </a:lnRef>
+          <a:fillRef idx="1">
+            <a:schemeClr val="accent1"/>
+          </a:fillRef>
+          <a:effectRef idx="0">
+            <a:schemeClr val="accent1"/>
+          </a:effectRef>
+          <a:fontRef idx="minor">
+            <a:schemeClr val="lt1"/>
+          </a:fontRef>
+        </p:style>
+        <p:txBody>
+          <a:bodyPr rtlCol="0" anchor="ctr"/>
+          <a:lstStyle/>
+          <a:p>
+            <a:pPr algn="ctr"/>
+            <a:r>
+              <a:rPr lang="en-US" dirty="0"/>
+              <a:t>140 deg</a:t>
+            </a:r>
+          </a:p>
+        </p:txBody>
+      </p:sp>
+      <p:sp>
+        <p:nvSpPr>
+          <p:cNvPr id="136" name="Down Arrow 135">
+            <a:extLst>
+              <a:ext uri="{FF2B5EF4-FFF2-40B4-BE49-F238E27FC236}">
+                <a16:creationId xmlns:a16="http://schemas.microsoft.com/office/drawing/2014/main" id="{4DEB96AD-C349-C813-ABF6-431C9763B43F}"/>
+              </a:ext>
+            </a:extLst>
+          </p:cNvPr>
+          <p:cNvSpPr/>
+          <p:nvPr/>
+        </p:nvSpPr>
+        <p:spPr>
+          <a:xfrm rot="5400000">
+            <a:off x="1028089" y="19554754"/>
+            <a:ext cx="1600200" cy="338542"/>
+          </a:xfrm>
+          <a:prstGeom prst="downArrow">
+            <a:avLst/>
+          </a:prstGeom>
+        </p:spPr>
+        <p:style>
+          <a:lnRef idx="2">
+            <a:schemeClr val="accent1">
+              <a:shade val="15000"/>
+            </a:schemeClr>
+          </a:lnRef>
+          <a:fillRef idx="1">
+            <a:schemeClr val="accent1"/>
+          </a:fillRef>
+          <a:effectRef idx="0">
+            <a:schemeClr val="accent1"/>
+          </a:effectRef>
+          <a:fontRef idx="minor">
+            <a:schemeClr val="lt1"/>
+          </a:fontRef>
+        </p:style>
+        <p:txBody>
+          <a:bodyPr rtlCol="0" anchor="ctr"/>
+          <a:lstStyle/>
+          <a:p>
+            <a:pPr algn="ctr"/>
+            <a:endParaRPr lang="en-US"/>
+          </a:p>
+        </p:txBody>
+      </p:sp>
+      <p:sp>
+        <p:nvSpPr>
+          <p:cNvPr id="137" name="TextBox 136">
+            <a:extLst>
+              <a:ext uri="{FF2B5EF4-FFF2-40B4-BE49-F238E27FC236}">
+                <a16:creationId xmlns:a16="http://schemas.microsoft.com/office/drawing/2014/main" id="{5DA0AC2E-763B-8155-B8D4-B5736C03A719}"/>
+              </a:ext>
+            </a:extLst>
+          </p:cNvPr>
+          <p:cNvSpPr txBox="1"/>
+          <p:nvPr/>
+        </p:nvSpPr>
+        <p:spPr>
+          <a:xfrm>
+            <a:off x="100889" y="20560701"/>
+            <a:ext cx="1975092" cy="369332"/>
+          </a:xfrm>
+          <a:prstGeom prst="rect">
+            <a:avLst/>
+          </a:prstGeom>
+          <a:noFill/>
+        </p:spPr>
+        <p:txBody>
+          <a:bodyPr wrap="none" rtlCol="0">
+            <a:spAutoFit/>
+          </a:bodyPr>
+          <a:lstStyle/>
+          <a:p>
+            <a:r>
+              <a:rPr lang="en-US" dirty="0"/>
+              <a:t>1250 permutations</a:t>
+            </a:r>
           </a:p>
         </p:txBody>
       </p:sp>
@@ -6104,7 +6674,7 @@
         </p:nvSpPr>
         <p:spPr>
           <a:xfrm>
-            <a:off x="4837665" y="638074"/>
+            <a:off x="4837665" y="1552474"/>
             <a:ext cx="2516670" cy="1216152"/>
           </a:xfrm>
           <a:prstGeom prst="trapezoid">
@@ -6153,7 +6723,7 @@
         </p:nvSpPr>
         <p:spPr>
           <a:xfrm>
-            <a:off x="5295900" y="2041998"/>
+            <a:off x="5295900" y="2956398"/>
             <a:ext cx="1600200" cy="338542"/>
           </a:xfrm>
           <a:prstGeom prst="downArrow">
@@ -6199,7 +6769,7 @@
         </p:nvSpPr>
         <p:spPr>
           <a:xfrm>
-            <a:off x="5356855" y="2468298"/>
+            <a:off x="5356855" y="3382698"/>
             <a:ext cx="1600118" cy="369332"/>
           </a:xfrm>
           <a:prstGeom prst="rect">
@@ -6247,7 +6817,7 @@
         </p:blipFill>
         <p:spPr>
           <a:xfrm>
-            <a:off x="234487" y="3799510"/>
+            <a:off x="234488" y="4713910"/>
             <a:ext cx="3720103" cy="2289294"/>
           </a:xfrm>
           <a:prstGeom prst="rect">
@@ -6277,7 +6847,7 @@
         </p:blipFill>
         <p:spPr>
           <a:xfrm>
-            <a:off x="7848581" y="0"/>
+            <a:off x="7848582" y="914401"/>
             <a:ext cx="3379679" cy="3316211"/>
           </a:xfrm>
           <a:prstGeom prst="rect">
@@ -6299,7 +6869,7 @@
         </p:nvSpPr>
         <p:spPr>
           <a:xfrm>
-            <a:off x="963740" y="3277192"/>
+            <a:off x="2602065" y="4179167"/>
             <a:ext cx="1337601" cy="453589"/>
           </a:xfrm>
           <a:prstGeom prst="roundRect">
@@ -6336,10 +6906,10 @@
       </p:sp>
       <p:sp>
         <p:nvSpPr>
-          <p:cNvPr id="16" name="Rounded Rectangle 15">
-            <a:extLst>
-              <a:ext uri="{FF2B5EF4-FFF2-40B4-BE49-F238E27FC236}">
-                <a16:creationId xmlns:a16="http://schemas.microsoft.com/office/drawing/2014/main" id="{D201AF48-5F19-18AC-05F9-6C1429B99471}"/>
+          <p:cNvPr id="17" name="Rounded Rectangle 16">
+            <a:extLst>
+              <a:ext uri="{FF2B5EF4-FFF2-40B4-BE49-F238E27FC236}">
+                <a16:creationId xmlns:a16="http://schemas.microsoft.com/office/drawing/2014/main" id="{C2B5C0CF-CC46-93D2-7080-30A37F25A296}"/>
               </a:ext>
             </a:extLst>
           </p:cNvPr>
@@ -6348,7 +6918,7 @@
         </p:nvSpPr>
         <p:spPr>
           <a:xfrm>
-            <a:off x="2459165" y="3277191"/>
+            <a:off x="4037849" y="4179167"/>
             <a:ext cx="1337601" cy="453589"/>
           </a:xfrm>
           <a:prstGeom prst="roundRect">
@@ -6378,17 +6948,17 @@
             <a:pPr algn="ctr"/>
             <a:r>
               <a:rPr lang="en-US" dirty="0"/>
-              <a:t>0.3</a:t>
-            </a:r>
-          </a:p>
-        </p:txBody>
-      </p:sp>
-      <p:sp>
-        <p:nvSpPr>
-          <p:cNvPr id="17" name="Rounded Rectangle 16">
-            <a:extLst>
-              <a:ext uri="{FF2B5EF4-FFF2-40B4-BE49-F238E27FC236}">
-                <a16:creationId xmlns:a16="http://schemas.microsoft.com/office/drawing/2014/main" id="{C2B5C0CF-CC46-93D2-7080-30A37F25A296}"/>
+              <a:t>0.5</a:t>
+            </a:r>
+          </a:p>
+        </p:txBody>
+      </p:sp>
+      <p:sp>
+        <p:nvSpPr>
+          <p:cNvPr id="19" name="Rounded Rectangle 18">
+            <a:extLst>
+              <a:ext uri="{FF2B5EF4-FFF2-40B4-BE49-F238E27FC236}">
+                <a16:creationId xmlns:a16="http://schemas.microsoft.com/office/drawing/2014/main" id="{25C6E875-6C61-407F-9A8D-89736B904586}"/>
               </a:ext>
             </a:extLst>
           </p:cNvPr>
@@ -6397,7 +6967,7 @@
         </p:nvSpPr>
         <p:spPr>
           <a:xfrm>
-            <a:off x="3954590" y="3277191"/>
+            <a:off x="5472173" y="4179168"/>
             <a:ext cx="1337601" cy="453589"/>
           </a:xfrm>
           <a:prstGeom prst="roundRect">
@@ -6427,17 +6997,17 @@
             <a:pPr algn="ctr"/>
             <a:r>
               <a:rPr lang="en-US" dirty="0"/>
-              <a:t>0.5</a:t>
-            </a:r>
-          </a:p>
-        </p:txBody>
-      </p:sp>
-      <p:sp>
-        <p:nvSpPr>
-          <p:cNvPr id="18" name="Rounded Rectangle 17">
-            <a:extLst>
-              <a:ext uri="{FF2B5EF4-FFF2-40B4-BE49-F238E27FC236}">
-                <a16:creationId xmlns:a16="http://schemas.microsoft.com/office/drawing/2014/main" id="{09C69309-8C75-F4FC-C03C-4F24C6658CDE}"/>
+              <a:t>1</a:t>
+            </a:r>
+          </a:p>
+        </p:txBody>
+      </p:sp>
+      <p:sp>
+        <p:nvSpPr>
+          <p:cNvPr id="21" name="Rounded Rectangle 20">
+            <a:extLst>
+              <a:ext uri="{FF2B5EF4-FFF2-40B4-BE49-F238E27FC236}">
+                <a16:creationId xmlns:a16="http://schemas.microsoft.com/office/drawing/2014/main" id="{29586BCE-66A6-B359-1F66-6FD491727488}"/>
               </a:ext>
             </a:extLst>
           </p:cNvPr>
@@ -6446,7 +7016,7 @@
         </p:nvSpPr>
         <p:spPr>
           <a:xfrm>
-            <a:off x="5450015" y="3277190"/>
+            <a:off x="6907957" y="4179167"/>
             <a:ext cx="1337601" cy="453589"/>
           </a:xfrm>
           <a:prstGeom prst="roundRect">
@@ -6476,17 +7046,17 @@
             <a:pPr algn="ctr"/>
             <a:r>
               <a:rPr lang="en-US" dirty="0"/>
-              <a:t>0.7</a:t>
-            </a:r>
-          </a:p>
-        </p:txBody>
-      </p:sp>
-      <p:sp>
-        <p:nvSpPr>
-          <p:cNvPr id="19" name="Rounded Rectangle 18">
-            <a:extLst>
-              <a:ext uri="{FF2B5EF4-FFF2-40B4-BE49-F238E27FC236}">
-                <a16:creationId xmlns:a16="http://schemas.microsoft.com/office/drawing/2014/main" id="{25C6E875-6C61-407F-9A8D-89736B904586}"/>
+              <a:t>3</a:t>
+            </a:r>
+          </a:p>
+        </p:txBody>
+      </p:sp>
+      <p:sp>
+        <p:nvSpPr>
+          <p:cNvPr id="22" name="Down Arrow 21">
+            <a:extLst>
+              <a:ext uri="{FF2B5EF4-FFF2-40B4-BE49-F238E27FC236}">
+                <a16:creationId xmlns:a16="http://schemas.microsoft.com/office/drawing/2014/main" id="{4E803EFE-B1CE-6E3B-3806-39EBC19CAD2C}"/>
               </a:ext>
             </a:extLst>
           </p:cNvPr>
@@ -6495,10 +7065,10 @@
         </p:nvSpPr>
         <p:spPr>
           <a:xfrm>
-            <a:off x="6945440" y="3277189"/>
-            <a:ext cx="1337601" cy="453589"/>
-          </a:xfrm>
-          <a:prstGeom prst="roundRect">
+            <a:off x="5295900" y="5062925"/>
+            <a:ext cx="1600200" cy="338542"/>
+          </a:xfrm>
+          <a:prstGeom prst="downArrow">
             <a:avLst/>
           </a:prstGeom>
         </p:spPr>
@@ -6523,19 +7093,56 @@
           <a:lstStyle/>
           <a:p>
             <a:pPr algn="ctr"/>
-            <a:r>
-              <a:rPr lang="en-US" dirty="0"/>
-              <a:t>1</a:t>
-            </a:r>
-          </a:p>
-        </p:txBody>
-      </p:sp>
-      <p:sp>
-        <p:nvSpPr>
-          <p:cNvPr id="20" name="Rounded Rectangle 19">
-            <a:extLst>
-              <a:ext uri="{FF2B5EF4-FFF2-40B4-BE49-F238E27FC236}">
-                <a16:creationId xmlns:a16="http://schemas.microsoft.com/office/drawing/2014/main" id="{42B47C69-1B24-EBE8-9025-5405CEE67497}"/>
+            <a:endParaRPr lang="en-US"/>
+          </a:p>
+        </p:txBody>
+      </p:sp>
+      <p:sp>
+        <p:nvSpPr>
+          <p:cNvPr id="23" name="TextBox 22">
+            <a:extLst>
+              <a:ext uri="{FF2B5EF4-FFF2-40B4-BE49-F238E27FC236}">
+                <a16:creationId xmlns:a16="http://schemas.microsoft.com/office/drawing/2014/main" id="{80A811EF-BAD0-758A-569F-C21C1028EDB9}"/>
+              </a:ext>
+            </a:extLst>
+          </p:cNvPr>
+          <p:cNvSpPr txBox="1"/>
+          <p:nvPr/>
+        </p:nvSpPr>
+        <p:spPr>
+          <a:xfrm>
+            <a:off x="5356855" y="5709416"/>
+            <a:ext cx="1383712" cy="369332"/>
+          </a:xfrm>
+          <a:prstGeom prst="rect">
+            <a:avLst/>
+          </a:prstGeom>
+          <a:noFill/>
+        </p:spPr>
+        <p:txBody>
+          <a:bodyPr wrap="none" rtlCol="0">
+            <a:spAutoFit/>
+          </a:bodyPr>
+          <a:lstStyle/>
+          <a:p>
+            <a:r>
+              <a:rPr lang="en-US" dirty="0"/>
+              <a:t>Select a </a:t>
+            </a:r>
+            <a:r>
+              <a:rPr lang="en-US" dirty="0" err="1"/>
+              <a:t>K_zz</a:t>
+            </a:r>
+            <a:endParaRPr lang="en-US" dirty="0"/>
+          </a:p>
+        </p:txBody>
+      </p:sp>
+      <p:sp>
+        <p:nvSpPr>
+          <p:cNvPr id="26" name="Rounded Rectangle 25">
+            <a:extLst>
+              <a:ext uri="{FF2B5EF4-FFF2-40B4-BE49-F238E27FC236}">
+                <a16:creationId xmlns:a16="http://schemas.microsoft.com/office/drawing/2014/main" id="{E9353753-F204-0EC3-B8C7-F8FE7C36F6F2}"/>
               </a:ext>
             </a:extLst>
           </p:cNvPr>
@@ -6544,7 +7151,7 @@
         </p:nvSpPr>
         <p:spPr>
           <a:xfrm>
-            <a:off x="8440865" y="3277188"/>
+            <a:off x="4675943" y="6298117"/>
             <a:ext cx="1337601" cy="453589"/>
           </a:xfrm>
           <a:prstGeom prst="roundRect">
@@ -6574,17 +7181,17 @@
             <a:pPr algn="ctr"/>
             <a:r>
               <a:rPr lang="en-US" dirty="0"/>
-              <a:t>3</a:t>
-            </a:r>
-          </a:p>
-        </p:txBody>
-      </p:sp>
-      <p:sp>
-        <p:nvSpPr>
-          <p:cNvPr id="21" name="Rounded Rectangle 20">
-            <a:extLst>
-              <a:ext uri="{FF2B5EF4-FFF2-40B4-BE49-F238E27FC236}">
-                <a16:creationId xmlns:a16="http://schemas.microsoft.com/office/drawing/2014/main" id="{29586BCE-66A6-B359-1F66-6FD491727488}"/>
+              <a:t>1e9</a:t>
+            </a:r>
+          </a:p>
+        </p:txBody>
+      </p:sp>
+      <p:sp>
+        <p:nvSpPr>
+          <p:cNvPr id="28" name="Rounded Rectangle 27">
+            <a:extLst>
+              <a:ext uri="{FF2B5EF4-FFF2-40B4-BE49-F238E27FC236}">
+                <a16:creationId xmlns:a16="http://schemas.microsoft.com/office/drawing/2014/main" id="{6FBE7638-7B06-D03F-E638-70269876B772}"/>
               </a:ext>
             </a:extLst>
           </p:cNvPr>
@@ -6593,7 +7200,7 @@
         </p:nvSpPr>
         <p:spPr>
           <a:xfrm>
-            <a:off x="9936290" y="3277188"/>
+            <a:off x="6178457" y="6298117"/>
             <a:ext cx="1337601" cy="453589"/>
           </a:xfrm>
           <a:prstGeom prst="roundRect">
@@ -6623,17 +7230,17 @@
             <a:pPr algn="ctr"/>
             <a:r>
               <a:rPr lang="en-US" dirty="0"/>
-              <a:t>6</a:t>
-            </a:r>
-          </a:p>
-        </p:txBody>
-      </p:sp>
-      <p:sp>
-        <p:nvSpPr>
-          <p:cNvPr id="22" name="Down Arrow 21">
-            <a:extLst>
-              <a:ext uri="{FF2B5EF4-FFF2-40B4-BE49-F238E27FC236}">
-                <a16:creationId xmlns:a16="http://schemas.microsoft.com/office/drawing/2014/main" id="{4E803EFE-B1CE-6E3B-3806-39EBC19CAD2C}"/>
+              <a:t>1e11</a:t>
+            </a:r>
+          </a:p>
+        </p:txBody>
+      </p:sp>
+      <p:sp>
+        <p:nvSpPr>
+          <p:cNvPr id="31" name="Down Arrow 30">
+            <a:extLst>
+              <a:ext uri="{FF2B5EF4-FFF2-40B4-BE49-F238E27FC236}">
+                <a16:creationId xmlns:a16="http://schemas.microsoft.com/office/drawing/2014/main" id="{A44AF09B-732F-6843-ACB3-8F56257D0CF1}"/>
               </a:ext>
             </a:extLst>
           </p:cNvPr>
@@ -6642,7 +7249,7 @@
         </p:nvSpPr>
         <p:spPr>
           <a:xfrm>
-            <a:off x="5295900" y="4148525"/>
+            <a:off x="5295900" y="6954901"/>
             <a:ext cx="1600200" cy="338542"/>
           </a:xfrm>
           <a:prstGeom prst="downArrow">
@@ -6676,50 +7283,10 @@
       </p:sp>
       <p:sp>
         <p:nvSpPr>
-          <p:cNvPr id="23" name="TextBox 22">
-            <a:extLst>
-              <a:ext uri="{FF2B5EF4-FFF2-40B4-BE49-F238E27FC236}">
-                <a16:creationId xmlns:a16="http://schemas.microsoft.com/office/drawing/2014/main" id="{80A811EF-BAD0-758A-569F-C21C1028EDB9}"/>
-              </a:ext>
-            </a:extLst>
-          </p:cNvPr>
-          <p:cNvSpPr txBox="1"/>
-          <p:nvPr/>
-        </p:nvSpPr>
-        <p:spPr>
-          <a:xfrm>
-            <a:off x="5356855" y="4574825"/>
-            <a:ext cx="1383712" cy="369332"/>
-          </a:xfrm>
-          <a:prstGeom prst="rect">
-            <a:avLst/>
-          </a:prstGeom>
-          <a:noFill/>
-        </p:spPr>
-        <p:txBody>
-          <a:bodyPr wrap="none" rtlCol="0">
-            <a:spAutoFit/>
-          </a:bodyPr>
-          <a:lstStyle/>
-          <a:p>
-            <a:r>
-              <a:rPr lang="en-US" dirty="0"/>
-              <a:t>Select a </a:t>
-            </a:r>
-            <a:r>
-              <a:rPr lang="en-US" dirty="0" err="1"/>
-              <a:t>K_zz</a:t>
-            </a:r>
-            <a:endParaRPr lang="en-US" dirty="0"/>
-          </a:p>
-        </p:txBody>
-      </p:sp>
-      <p:sp>
-        <p:nvSpPr>
-          <p:cNvPr id="26" name="Rounded Rectangle 25">
-            <a:extLst>
-              <a:ext uri="{FF2B5EF4-FFF2-40B4-BE49-F238E27FC236}">
-                <a16:creationId xmlns:a16="http://schemas.microsoft.com/office/drawing/2014/main" id="{E9353753-F204-0EC3-B8C7-F8FE7C36F6F2}"/>
+          <p:cNvPr id="33" name="Trapezoid 32">
+            <a:extLst>
+              <a:ext uri="{FF2B5EF4-FFF2-40B4-BE49-F238E27FC236}">
+                <a16:creationId xmlns:a16="http://schemas.microsoft.com/office/drawing/2014/main" id="{FDF22841-925E-5277-D114-3215EEECEBA9}"/>
               </a:ext>
             </a:extLst>
           </p:cNvPr>
@@ -6728,10 +7295,10 @@
         </p:nvSpPr>
         <p:spPr>
           <a:xfrm>
-            <a:off x="3954590" y="5383718"/>
-            <a:ext cx="1337601" cy="453589"/>
-          </a:xfrm>
-          <a:prstGeom prst="roundRect">
+            <a:off x="4860480" y="7512813"/>
+            <a:ext cx="2516670" cy="1216152"/>
+          </a:xfrm>
+          <a:prstGeom prst="trapezoid">
             <a:avLst/>
           </a:prstGeom>
         </p:spPr>
@@ -6758,17 +7325,17 @@
             <a:pPr algn="ctr"/>
             <a:r>
               <a:rPr lang="en-US" dirty="0"/>
-              <a:t>1e9</a:t>
-            </a:r>
-          </a:p>
-        </p:txBody>
-      </p:sp>
-      <p:sp>
-        <p:nvSpPr>
-          <p:cNvPr id="27" name="Rounded Rectangle 26">
-            <a:extLst>
-              <a:ext uri="{FF2B5EF4-FFF2-40B4-BE49-F238E27FC236}">
-                <a16:creationId xmlns:a16="http://schemas.microsoft.com/office/drawing/2014/main" id="{B97F812A-2352-F4E5-888F-12F6D21FC1DC}"/>
+              <a:t>Cloudy model</a:t>
+            </a:r>
+          </a:p>
+        </p:txBody>
+      </p:sp>
+      <p:sp>
+        <p:nvSpPr>
+          <p:cNvPr id="34" name="Down Arrow 33">
+            <a:extLst>
+              <a:ext uri="{FF2B5EF4-FFF2-40B4-BE49-F238E27FC236}">
+                <a16:creationId xmlns:a16="http://schemas.microsoft.com/office/drawing/2014/main" id="{B96ACE99-EF15-126E-351E-94176FABEBB1}"/>
               </a:ext>
             </a:extLst>
           </p:cNvPr>
@@ -6776,11 +7343,11 @@
           <p:nvPr/>
         </p:nvSpPr>
         <p:spPr>
-          <a:xfrm>
-            <a:off x="5450015" y="5383717"/>
-            <a:ext cx="1337601" cy="453589"/>
-          </a:xfrm>
-          <a:prstGeom prst="roundRect">
+          <a:xfrm rot="5400000">
+            <a:off x="3576842" y="7924272"/>
+            <a:ext cx="1600200" cy="338542"/>
+          </a:xfrm>
+          <a:prstGeom prst="downArrow">
             <a:avLst/>
           </a:prstGeom>
         </p:spPr>
@@ -6805,19 +7372,16 @@
           <a:lstStyle/>
           <a:p>
             <a:pPr algn="ctr"/>
-            <a:r>
-              <a:rPr lang="en-US" dirty="0"/>
-              <a:t>1e10</a:t>
-            </a:r>
-          </a:p>
-        </p:txBody>
-      </p:sp>
-      <p:sp>
-        <p:nvSpPr>
-          <p:cNvPr id="28" name="Rounded Rectangle 27">
-            <a:extLst>
-              <a:ext uri="{FF2B5EF4-FFF2-40B4-BE49-F238E27FC236}">
-                <a16:creationId xmlns:a16="http://schemas.microsoft.com/office/drawing/2014/main" id="{6FBE7638-7B06-D03F-E638-70269876B772}"/>
+            <a:endParaRPr lang="en-US"/>
+          </a:p>
+        </p:txBody>
+      </p:sp>
+      <p:sp>
+        <p:nvSpPr>
+          <p:cNvPr id="35" name="Snip Same Side Corner Rectangle 34">
+            <a:extLst>
+              <a:ext uri="{FF2B5EF4-FFF2-40B4-BE49-F238E27FC236}">
+                <a16:creationId xmlns:a16="http://schemas.microsoft.com/office/drawing/2014/main" id="{43742942-AB0C-DF6F-5473-DBE1EEA1695B}"/>
               </a:ext>
             </a:extLst>
           </p:cNvPr>
@@ -6826,10 +7390,10 @@
         </p:nvSpPr>
         <p:spPr>
           <a:xfrm>
-            <a:off x="6945440" y="5383716"/>
-            <a:ext cx="1337601" cy="453589"/>
-          </a:xfrm>
-          <a:prstGeom prst="roundRect">
+            <a:off x="656573" y="7456199"/>
+            <a:ext cx="1437966" cy="1347389"/>
+          </a:xfrm>
+          <a:prstGeom prst="snip2SameRect">
             <a:avLst/>
           </a:prstGeom>
         </p:spPr>
@@ -6856,196 +7420,6 @@
             <a:pPr algn="ctr"/>
             <a:r>
               <a:rPr lang="en-US" dirty="0"/>
-              <a:t>1e11</a:t>
-            </a:r>
-          </a:p>
-        </p:txBody>
-      </p:sp>
-      <p:sp>
-        <p:nvSpPr>
-          <p:cNvPr id="31" name="Down Arrow 30">
-            <a:extLst>
-              <a:ext uri="{FF2B5EF4-FFF2-40B4-BE49-F238E27FC236}">
-                <a16:creationId xmlns:a16="http://schemas.microsoft.com/office/drawing/2014/main" id="{A44AF09B-732F-6843-ACB3-8F56257D0CF1}"/>
-              </a:ext>
-            </a:extLst>
-          </p:cNvPr>
-          <p:cNvSpPr/>
-          <p:nvPr/>
-        </p:nvSpPr>
-        <p:spPr>
-          <a:xfrm>
-            <a:off x="5295900" y="6040501"/>
-            <a:ext cx="1600200" cy="338542"/>
-          </a:xfrm>
-          <a:prstGeom prst="downArrow">
-            <a:avLst/>
-          </a:prstGeom>
-        </p:spPr>
-        <p:style>
-          <a:lnRef idx="2">
-            <a:schemeClr val="accent1">
-              <a:shade val="15000"/>
-            </a:schemeClr>
-          </a:lnRef>
-          <a:fillRef idx="1">
-            <a:schemeClr val="accent1"/>
-          </a:fillRef>
-          <a:effectRef idx="0">
-            <a:schemeClr val="accent1"/>
-          </a:effectRef>
-          <a:fontRef idx="minor">
-            <a:schemeClr val="lt1"/>
-          </a:fontRef>
-        </p:style>
-        <p:txBody>
-          <a:bodyPr rtlCol="0" anchor="ctr"/>
-          <a:lstStyle/>
-          <a:p>
-            <a:pPr algn="ctr"/>
-            <a:endParaRPr lang="en-US"/>
-          </a:p>
-        </p:txBody>
-      </p:sp>
-      <p:sp>
-        <p:nvSpPr>
-          <p:cNvPr id="33" name="Trapezoid 32">
-            <a:extLst>
-              <a:ext uri="{FF2B5EF4-FFF2-40B4-BE49-F238E27FC236}">
-                <a16:creationId xmlns:a16="http://schemas.microsoft.com/office/drawing/2014/main" id="{FDF22841-925E-5277-D114-3215EEECEBA9}"/>
-              </a:ext>
-            </a:extLst>
-          </p:cNvPr>
-          <p:cNvSpPr/>
-          <p:nvPr/>
-        </p:nvSpPr>
-        <p:spPr>
-          <a:xfrm>
-            <a:off x="4860480" y="6598413"/>
-            <a:ext cx="2516670" cy="1216152"/>
-          </a:xfrm>
-          <a:prstGeom prst="trapezoid">
-            <a:avLst/>
-          </a:prstGeom>
-        </p:spPr>
-        <p:style>
-          <a:lnRef idx="2">
-            <a:schemeClr val="accent1">
-              <a:shade val="15000"/>
-            </a:schemeClr>
-          </a:lnRef>
-          <a:fillRef idx="1">
-            <a:schemeClr val="accent1"/>
-          </a:fillRef>
-          <a:effectRef idx="0">
-            <a:schemeClr val="accent1"/>
-          </a:effectRef>
-          <a:fontRef idx="minor">
-            <a:schemeClr val="lt1"/>
-          </a:fontRef>
-        </p:style>
-        <p:txBody>
-          <a:bodyPr rtlCol="0" anchor="ctr"/>
-          <a:lstStyle/>
-          <a:p>
-            <a:pPr algn="ctr"/>
-            <a:r>
-              <a:rPr lang="en-US" dirty="0"/>
-              <a:t>Cloudy model</a:t>
-            </a:r>
-          </a:p>
-        </p:txBody>
-      </p:sp>
-      <p:sp>
-        <p:nvSpPr>
-          <p:cNvPr id="34" name="Down Arrow 33">
-            <a:extLst>
-              <a:ext uri="{FF2B5EF4-FFF2-40B4-BE49-F238E27FC236}">
-                <a16:creationId xmlns:a16="http://schemas.microsoft.com/office/drawing/2014/main" id="{B96ACE99-EF15-126E-351E-94176FABEBB1}"/>
-              </a:ext>
-            </a:extLst>
-          </p:cNvPr>
-          <p:cNvSpPr/>
-          <p:nvPr/>
-        </p:nvSpPr>
-        <p:spPr>
-          <a:xfrm rot="5400000">
-            <a:off x="3576842" y="7009872"/>
-            <a:ext cx="1600200" cy="338542"/>
-          </a:xfrm>
-          <a:prstGeom prst="downArrow">
-            <a:avLst/>
-          </a:prstGeom>
-        </p:spPr>
-        <p:style>
-          <a:lnRef idx="2">
-            <a:schemeClr val="accent1">
-              <a:shade val="15000"/>
-            </a:schemeClr>
-          </a:lnRef>
-          <a:fillRef idx="1">
-            <a:schemeClr val="accent1"/>
-          </a:fillRef>
-          <a:effectRef idx="0">
-            <a:schemeClr val="accent1"/>
-          </a:effectRef>
-          <a:fontRef idx="minor">
-            <a:schemeClr val="lt1"/>
-          </a:fontRef>
-        </p:style>
-        <p:txBody>
-          <a:bodyPr rtlCol="0" anchor="ctr"/>
-          <a:lstStyle/>
-          <a:p>
-            <a:pPr algn="ctr"/>
-            <a:endParaRPr lang="en-US"/>
-          </a:p>
-        </p:txBody>
-      </p:sp>
-      <p:sp>
-        <p:nvSpPr>
-          <p:cNvPr id="35" name="Snip Same Side Corner Rectangle 34">
-            <a:extLst>
-              <a:ext uri="{FF2B5EF4-FFF2-40B4-BE49-F238E27FC236}">
-                <a16:creationId xmlns:a16="http://schemas.microsoft.com/office/drawing/2014/main" id="{43742942-AB0C-DF6F-5473-DBE1EEA1695B}"/>
-              </a:ext>
-            </a:extLst>
-          </p:cNvPr>
-          <p:cNvSpPr/>
-          <p:nvPr/>
-        </p:nvSpPr>
-        <p:spPr>
-          <a:xfrm>
-            <a:off x="2301341" y="6505448"/>
-            <a:ext cx="1437966" cy="1347389"/>
-          </a:xfrm>
-          <a:prstGeom prst="snip2SameRect">
-            <a:avLst/>
-          </a:prstGeom>
-        </p:spPr>
-        <p:style>
-          <a:lnRef idx="2">
-            <a:schemeClr val="accent1">
-              <a:shade val="15000"/>
-            </a:schemeClr>
-          </a:lnRef>
-          <a:fillRef idx="1">
-            <a:schemeClr val="accent1"/>
-          </a:fillRef>
-          <a:effectRef idx="0">
-            <a:schemeClr val="accent1"/>
-          </a:effectRef>
-          <a:fontRef idx="minor">
-            <a:schemeClr val="lt1"/>
-          </a:fontRef>
-        </p:style>
-        <p:txBody>
-          <a:bodyPr rtlCol="0" anchor="ctr"/>
-          <a:lstStyle/>
-          <a:p>
-            <a:pPr algn="ctr"/>
-            <a:r>
-              <a:rPr lang="en-US" dirty="0"/>
               <a:t>Cloudy Spectrum</a:t>
             </a:r>
           </a:p>
@@ -7065,7 +7439,7 @@
         </p:nvSpPr>
         <p:spPr>
           <a:xfrm>
-            <a:off x="7377150" y="6892328"/>
+            <a:off x="7377150" y="7806729"/>
             <a:ext cx="2008150" cy="646331"/>
           </a:xfrm>
           <a:prstGeom prst="rect">
@@ -7081,7 +7455,7 @@
           <a:p>
             <a:r>
               <a:rPr lang="en-US" dirty="0"/>
-              <a:t>21 permutations per base model</a:t>
+              <a:t>10 permutations per base model</a:t>
             </a:r>
           </a:p>
         </p:txBody>
@@ -7100,7 +7474,7 @@
         </p:nvSpPr>
         <p:spPr>
           <a:xfrm>
-            <a:off x="5044636" y="8040877"/>
+            <a:off x="5044636" y="8955277"/>
             <a:ext cx="1993310" cy="1993310"/>
           </a:xfrm>
           <a:prstGeom prst="star5">
@@ -7157,7 +7531,7 @@
         </p:nvSpPr>
         <p:spPr>
           <a:xfrm>
-            <a:off x="5091925" y="8807266"/>
+            <a:off x="5091925" y="9721667"/>
             <a:ext cx="2008150" cy="646331"/>
           </a:xfrm>
           <a:prstGeom prst="rect">
@@ -7174,7 +7548,137 @@
             <a:pPr algn="ctr"/>
             <a:r>
               <a:rPr lang="en-US" dirty="0"/>
-              <a:t>5250 total permutations</a:t>
+              <a:t>12,500 total permutations</a:t>
+            </a:r>
+          </a:p>
+        </p:txBody>
+      </p:sp>
+      <p:sp>
+        <p:nvSpPr>
+          <p:cNvPr id="40" name="TextBox 39">
+            <a:extLst>
+              <a:ext uri="{FF2B5EF4-FFF2-40B4-BE49-F238E27FC236}">
+                <a16:creationId xmlns:a16="http://schemas.microsoft.com/office/drawing/2014/main" id="{AB7148E8-4261-B6B2-1092-F84D4090360A}"/>
+              </a:ext>
+            </a:extLst>
+          </p:cNvPr>
+          <p:cNvSpPr txBox="1"/>
+          <p:nvPr/>
+        </p:nvSpPr>
+        <p:spPr>
+          <a:xfrm>
+            <a:off x="2771975" y="7908877"/>
+            <a:ext cx="1330814" cy="369332"/>
+          </a:xfrm>
+          <a:prstGeom prst="rect">
+            <a:avLst/>
+          </a:prstGeom>
+          <a:noFill/>
+        </p:spPr>
+        <p:txBody>
+          <a:bodyPr wrap="none" rtlCol="0">
+            <a:spAutoFit/>
+          </a:bodyPr>
+          <a:lstStyle/>
+          <a:p>
+            <a:r>
+              <a:rPr lang="en-US" dirty="0"/>
+              <a:t>Apply phase</a:t>
+            </a:r>
+          </a:p>
+        </p:txBody>
+      </p:sp>
+      <p:sp>
+        <p:nvSpPr>
+          <p:cNvPr id="41" name="Down Arrow 40">
+            <a:extLst>
+              <a:ext uri="{FF2B5EF4-FFF2-40B4-BE49-F238E27FC236}">
+                <a16:creationId xmlns:a16="http://schemas.microsoft.com/office/drawing/2014/main" id="{0ED6D5FC-E2B5-E444-F18E-0656FD448F56}"/>
+              </a:ext>
+            </a:extLst>
+          </p:cNvPr>
+          <p:cNvSpPr/>
+          <p:nvPr/>
+        </p:nvSpPr>
+        <p:spPr>
+          <a:xfrm rot="5400000">
+            <a:off x="1670794" y="7894466"/>
+            <a:ext cx="1600200" cy="338542"/>
+          </a:xfrm>
+          <a:prstGeom prst="downArrow">
+            <a:avLst/>
+          </a:prstGeom>
+        </p:spPr>
+        <p:style>
+          <a:lnRef idx="2">
+            <a:schemeClr val="accent1">
+              <a:shade val="15000"/>
+            </a:schemeClr>
+          </a:lnRef>
+          <a:fillRef idx="1">
+            <a:schemeClr val="accent1"/>
+          </a:fillRef>
+          <a:effectRef idx="0">
+            <a:schemeClr val="accent1"/>
+          </a:effectRef>
+          <a:fontRef idx="minor">
+            <a:schemeClr val="lt1"/>
+          </a:fontRef>
+        </p:style>
+        <p:txBody>
+          <a:bodyPr rtlCol="0" anchor="ctr"/>
+          <a:lstStyle/>
+          <a:p>
+            <a:pPr algn="ctr"/>
+            <a:endParaRPr lang="en-US"/>
+          </a:p>
+        </p:txBody>
+      </p:sp>
+      <p:sp>
+        <p:nvSpPr>
+          <p:cNvPr id="42" name="Rounded Rectangle 41">
+            <a:extLst>
+              <a:ext uri="{FF2B5EF4-FFF2-40B4-BE49-F238E27FC236}">
+                <a16:creationId xmlns:a16="http://schemas.microsoft.com/office/drawing/2014/main" id="{31D5113C-40E4-ADD3-B58C-316F30A6A6C2}"/>
+              </a:ext>
+            </a:extLst>
+          </p:cNvPr>
+          <p:cNvSpPr/>
+          <p:nvPr/>
+        </p:nvSpPr>
+        <p:spPr>
+          <a:xfrm>
+            <a:off x="8342281" y="4179166"/>
+            <a:ext cx="1337601" cy="453589"/>
+          </a:xfrm>
+          <a:prstGeom prst="roundRect">
+            <a:avLst/>
+          </a:prstGeom>
+        </p:spPr>
+        <p:style>
+          <a:lnRef idx="2">
+            <a:schemeClr val="accent1">
+              <a:shade val="15000"/>
+            </a:schemeClr>
+          </a:lnRef>
+          <a:fillRef idx="1">
+            <a:schemeClr val="accent1"/>
+          </a:fillRef>
+          <a:effectRef idx="0">
+            <a:schemeClr val="accent1"/>
+          </a:effectRef>
+          <a:fontRef idx="minor">
+            <a:schemeClr val="lt1"/>
+          </a:fontRef>
+        </p:style>
+        <p:txBody>
+          <a:bodyPr rtlCol="0" anchor="ctr"/>
+          <a:lstStyle/>
+          <a:p>
+            <a:pPr algn="ctr"/>
+            <a:r>
+              <a:rPr lang="en-US" dirty="0"/>
+              <a:t>6</a:t>
             </a:r>
           </a:p>
         </p:txBody>
